--- a/Team 8 finale.pptx
+++ b/Team 8 finale.pptx
@@ -264,6 +264,9 @@
     </a:lvl9pPr>
   </p:defaultTextStyle>
   <p:extLst>
+    <p:ext uri="{EFAFB233-063F-42B5-8137-9DF3F51BA10A}">
+      <p15:sldGuideLst xmlns:p15="http://schemas.microsoft.com/office/powerpoint/2012/main"/>
+    </p:ext>
     <p:ext uri="http://customooxmlschemas.google.com/">
       <go:slidesCustomData xmlns:go="http://customooxmlschemas.google.com/" xmlns:ahyp="http://schemas.microsoft.com/office/drawing/2018/hyperlinkcolor" xmlns:p15="http://schemas.microsoft.com/office/powerpoint/2012/main" xmlns:p14="http://schemas.microsoft.com/office/powerpoint/2010/main" xmlns:com="http://schemas.openxmlformats.org/drawingml/2006/compatibility" xmlns:pvml="urn:schemas-microsoft-com:office:powerpoint" xmlns:v="urn:schemas-microsoft-com:vml" xmlns:o="urn:schemas-microsoft-com:office:office" xmlns:dgm="http://schemas.openxmlformats.org/drawingml/2006/diagram" xmlns:c="http://schemas.openxmlformats.org/drawingml/2006/chart" xmlns:mv="urn:schemas-microsoft-com:mac:vml" xmlns:mc="http://schemas.openxmlformats.org/markup-compatibility/2006" xmlns="" r:id="rId31" roundtripDataSignature="AMtx7mgPHt8yWhjswSN5Y+T161Ej3j5TTw=="/>
     </p:ext>
@@ -14135,7 +14138,7 @@
               <a:buNone/>
             </a:pPr>
             <a:r>
-              <a:rPr lang="it-IT">
+              <a:rPr lang="it-IT" dirty="0">
                 <a:solidFill>
                   <a:schemeClr val="lt1"/>
                 </a:solidFill>
@@ -14143,21 +14146,21 @@
               <a:t>TEAM 8</a:t>
             </a:r>
             <a:br>
-              <a:rPr lang="it-IT">
+              <a:rPr lang="it-IT" dirty="0">
                 <a:solidFill>
                   <a:schemeClr val="lt1"/>
                 </a:solidFill>
               </a:rPr>
             </a:br>
             <a:r>
-              <a:rPr lang="it-IT">
+              <a:rPr lang="it-IT" dirty="0">
                 <a:solidFill>
                   <a:schemeClr val="lt1"/>
                 </a:solidFill>
               </a:rPr>
               <a:t>SOFTWARE ENGINEERING</a:t>
             </a:r>
-            <a:endParaRPr/>
+            <a:endParaRPr dirty="0"/>
           </a:p>
         </p:txBody>
       </p:sp>
@@ -14479,8 +14482,8 @@
         </p:blipFill>
         <p:spPr>
           <a:xfrm>
-            <a:off x="1988463" y="2249772"/>
-            <a:ext cx="8024555" cy="3917019"/>
+            <a:off x="1988460" y="1954353"/>
+            <a:ext cx="8024555" cy="4071035"/>
           </a:xfrm>
           <a:prstGeom prst="rect">
             <a:avLst/>
@@ -14509,8 +14512,8 @@
         </p:blipFill>
         <p:spPr>
           <a:xfrm>
-            <a:off x="1988462" y="1190500"/>
-            <a:ext cx="8024555" cy="1059272"/>
+            <a:off x="1988460" y="845224"/>
+            <a:ext cx="8024555" cy="1109129"/>
           </a:xfrm>
           <a:prstGeom prst="rect">
             <a:avLst/>
@@ -14568,6 +14571,19 @@
 <file path=ppt/slides/slide4.xml><?xml version="1.0" encoding="utf-8"?>
 <p:sld xmlns:a="http://schemas.openxmlformats.org/drawingml/2006/main" xmlns:r="http://schemas.openxmlformats.org/officeDocument/2006/relationships" xmlns:p="http://schemas.openxmlformats.org/presentationml/2006/main">
   <p:cSld>
+    <p:bg>
+      <p:bgPr>
+        <a:pattFill prst="pct5">
+          <a:fgClr>
+            <a:schemeClr val="lt1"/>
+          </a:fgClr>
+          <a:bgClr>
+            <a:schemeClr val="bg1"/>
+          </a:bgClr>
+        </a:pattFill>
+        <a:effectLst/>
+      </p:bgPr>
+    </p:bg>
     <p:spTree>
       <p:nvGrpSpPr>
         <p:cNvPr id="1" name=""/>
@@ -14596,8 +14612,8 @@
         </p:nvSpPr>
         <p:spPr>
           <a:xfrm>
-            <a:off x="4364611" y="329938"/>
-            <a:ext cx="2865575" cy="646331"/>
+            <a:off x="719579" y="2763816"/>
+            <a:ext cx="4392891" cy="1077218"/>
           </a:xfrm>
           <a:prstGeom prst="rect">
             <a:avLst/>
@@ -14611,7 +14627,7 @@
           <a:lstStyle/>
           <a:p>
             <a:r>
-              <a:rPr lang="it-IT" sz="1800" b="1" dirty="0"/>
+              <a:rPr lang="it-IT" sz="3200" b="1" dirty="0"/>
               <a:t>BURNDOWN CHART SPRINT #1</a:t>
             </a:r>
           </a:p>
@@ -14619,10 +14635,10 @@
       </p:sp>
       <p:pic>
         <p:nvPicPr>
-          <p:cNvPr id="6" name="Immagine 5">
+          <p:cNvPr id="8" name="Immagine 7">
             <a:extLst>
               <a:ext uri="{FF2B5EF4-FFF2-40B4-BE49-F238E27FC236}">
-                <a16:creationId xmlns:a16="http://schemas.microsoft.com/office/drawing/2014/main" id="{F9C582D0-FF27-4BC0-8E23-768FAA0F9236}"/>
+                <a16:creationId xmlns:a16="http://schemas.microsoft.com/office/drawing/2014/main" id="{DAD68CCD-9D86-4D68-B49E-456D779C6132}"/>
               </a:ext>
             </a:extLst>
           </p:cNvPr>
@@ -14639,8 +14655,8 @@
         </p:blipFill>
         <p:spPr>
           <a:xfrm>
-            <a:off x="1018095" y="1044350"/>
-            <a:ext cx="9653047" cy="5014395"/>
+            <a:off x="5090475" y="240644"/>
+            <a:ext cx="6381946" cy="5914572"/>
           </a:xfrm>
           <a:prstGeom prst="rect">
             <a:avLst/>
@@ -14677,12 +14693,53 @@
           <a:chExt cx="0" cy="0"/>
         </a:xfrm>
       </p:grpSpPr>
+      <p:sp>
+        <p:nvSpPr>
+          <p:cNvPr id="4" name="CasellaDiTesto 3">
+            <a:extLst>
+              <a:ext uri="{FF2B5EF4-FFF2-40B4-BE49-F238E27FC236}">
+                <a16:creationId xmlns:a16="http://schemas.microsoft.com/office/drawing/2014/main" id="{B63BE291-E839-4C56-BA16-720278C262ED}"/>
+              </a:ext>
+            </a:extLst>
+          </p:cNvPr>
+          <p:cNvSpPr txBox="1"/>
+          <p:nvPr/>
+        </p:nvSpPr>
+        <p:spPr>
+          <a:xfrm>
+            <a:off x="752240" y="2615434"/>
+            <a:ext cx="4334841" cy="1077218"/>
+          </a:xfrm>
+          <a:prstGeom prst="rect">
+            <a:avLst/>
+          </a:prstGeom>
+          <a:noFill/>
+        </p:spPr>
+        <p:txBody>
+          <a:bodyPr wrap="none" rtlCol="0">
+            <a:spAutoFit/>
+          </a:bodyPr>
+          <a:lstStyle/>
+          <a:p>
+            <a:r>
+              <a:rPr lang="it-IT" sz="3200" b="1" dirty="0"/>
+              <a:t>BURNDOWN CHART </a:t>
+            </a:r>
+          </a:p>
+          <a:p>
+            <a:r>
+              <a:rPr lang="it-IT" sz="3200" b="1" dirty="0"/>
+              <a:t>SPRINT #2</a:t>
+            </a:r>
+          </a:p>
+        </p:txBody>
+      </p:sp>
       <p:pic>
         <p:nvPicPr>
-          <p:cNvPr id="3" name="Immagine 2">
+          <p:cNvPr id="6" name="Immagine 5">
             <a:extLst>
               <a:ext uri="{FF2B5EF4-FFF2-40B4-BE49-F238E27FC236}">
-                <a16:creationId xmlns:a16="http://schemas.microsoft.com/office/drawing/2014/main" id="{5351B55E-7B72-408F-A9B4-C71D222879D6}"/>
+                <a16:creationId xmlns:a16="http://schemas.microsoft.com/office/drawing/2014/main" id="{2D965AE4-2443-4AD9-A346-1AC8D2F1C443}"/>
               </a:ext>
             </a:extLst>
           </p:cNvPr>
@@ -14699,55 +14756,14 @@
         </p:blipFill>
         <p:spPr>
           <a:xfrm>
-            <a:off x="1167319" y="1994170"/>
-            <a:ext cx="9941668" cy="4076108"/>
+            <a:off x="5297865" y="194445"/>
+            <a:ext cx="6325384" cy="5919197"/>
           </a:xfrm>
           <a:prstGeom prst="rect">
             <a:avLst/>
           </a:prstGeom>
         </p:spPr>
       </p:pic>
-      <p:sp>
-        <p:nvSpPr>
-          <p:cNvPr id="4" name="CasellaDiTesto 3">
-            <a:extLst>
-              <a:ext uri="{FF2B5EF4-FFF2-40B4-BE49-F238E27FC236}">
-                <a16:creationId xmlns:a16="http://schemas.microsoft.com/office/drawing/2014/main" id="{B63BE291-E839-4C56-BA16-720278C262ED}"/>
-              </a:ext>
-            </a:extLst>
-          </p:cNvPr>
-          <p:cNvSpPr txBox="1"/>
-          <p:nvPr/>
-        </p:nvSpPr>
-        <p:spPr>
-          <a:xfrm>
-            <a:off x="4863830" y="505838"/>
-            <a:ext cx="2518638" cy="646331"/>
-          </a:xfrm>
-          <a:prstGeom prst="rect">
-            <a:avLst/>
-          </a:prstGeom>
-          <a:noFill/>
-        </p:spPr>
-        <p:txBody>
-          <a:bodyPr wrap="none" rtlCol="0">
-            <a:spAutoFit/>
-          </a:bodyPr>
-          <a:lstStyle/>
-          <a:p>
-            <a:r>
-              <a:rPr lang="it-IT" sz="1800" b="1" dirty="0"/>
-              <a:t>BURNDOWN CHART </a:t>
-            </a:r>
-          </a:p>
-          <a:p>
-            <a:r>
-              <a:rPr lang="it-IT" sz="1800" b="1" dirty="0"/>
-              <a:t>SPRINT #2</a:t>
-            </a:r>
-          </a:p>
-        </p:txBody>
-      </p:sp>
     </p:spTree>
     <p:extLst>
       <p:ext uri="{BB962C8B-B14F-4D97-AF65-F5344CB8AC3E}">
@@ -14986,7 +15002,7 @@
         </p:nvSpPr>
         <p:spPr>
           <a:xfrm>
-            <a:off x="1115016" y="2208278"/>
+            <a:off x="1115016" y="1991461"/>
             <a:ext cx="3932237" cy="1600200"/>
           </a:xfrm>
         </p:spPr>

--- a/Team 8 finale.pptx
+++ b/Team 8 finale.pptx
@@ -268,7 +268,7 @@
       <p15:sldGuideLst xmlns:p15="http://schemas.microsoft.com/office/powerpoint/2012/main"/>
     </p:ext>
     <p:ext uri="http://customooxmlschemas.google.com/">
-      <go:slidesCustomData xmlns:go="http://customooxmlschemas.google.com/" xmlns:ahyp="http://schemas.microsoft.com/office/drawing/2018/hyperlinkcolor" xmlns:p15="http://schemas.microsoft.com/office/powerpoint/2012/main" xmlns:p14="http://schemas.microsoft.com/office/powerpoint/2010/main" xmlns:com="http://schemas.openxmlformats.org/drawingml/2006/compatibility" xmlns:pvml="urn:schemas-microsoft-com:office:powerpoint" xmlns:v="urn:schemas-microsoft-com:vml" xmlns:o="urn:schemas-microsoft-com:office:office" xmlns:dgm="http://schemas.openxmlformats.org/drawingml/2006/diagram" xmlns:c="http://schemas.openxmlformats.org/drawingml/2006/chart" xmlns:mv="urn:schemas-microsoft-com:mac:vml" xmlns:mc="http://schemas.openxmlformats.org/markup-compatibility/2006" xmlns="" r:id="rId31" roundtripDataSignature="AMtx7mgPHt8yWhjswSN5Y+T161Ej3j5TTw=="/>
+      <go:slidesCustomData xmlns="" xmlns:mc="http://schemas.openxmlformats.org/markup-compatibility/2006" xmlns:mv="urn:schemas-microsoft-com:mac:vml" xmlns:c="http://schemas.openxmlformats.org/drawingml/2006/chart" xmlns:dgm="http://schemas.openxmlformats.org/drawingml/2006/diagram" xmlns:o="urn:schemas-microsoft-com:office:office" xmlns:v="urn:schemas-microsoft-com:vml" xmlns:pvml="urn:schemas-microsoft-com:office:powerpoint" xmlns:com="http://schemas.openxmlformats.org/drawingml/2006/compatibility" xmlns:p14="http://schemas.microsoft.com/office/powerpoint/2010/main" xmlns:p15="http://schemas.microsoft.com/office/powerpoint/2012/main" xmlns:ahyp="http://schemas.microsoft.com/office/drawing/2018/hyperlinkcolor" xmlns:go="http://customooxmlschemas.google.com/" r:id="rId31" roundtripDataSignature="AMtx7mgPHt8yWhjswSN5Y+T161Ej3j5TTw=="/>
     </p:ext>
   </p:extLst>
 </p:presentation>
@@ -13930,7 +13930,7 @@
             </a:pPr>
             <a:endParaRPr sz="1800" b="0" i="0" u="none" strike="noStrike" cap="none">
               <a:solidFill>
-                <a:schemeClr val="lt1"/>
+                <a:srgbClr val="E43238"/>
               </a:solidFill>
               <a:latin typeface="Gill Sans"/>
               <a:ea typeface="Gill Sans"/>
@@ -14081,7 +14081,7 @@
             </a:pPr>
             <a:endParaRPr sz="1800" b="0" i="0" u="none" strike="noStrike" cap="none">
               <a:solidFill>
-                <a:schemeClr val="lt1"/>
+                <a:srgbClr val="4A7BCB"/>
               </a:solidFill>
               <a:latin typeface="Gill Sans"/>
               <a:ea typeface="Gill Sans"/>
@@ -14410,7 +14410,7 @@
         <p:spPr>
           <a:xfrm>
             <a:off x="5147036" y="313267"/>
-            <a:ext cx="1351652" cy="369332"/>
+            <a:ext cx="1741182" cy="461665"/>
           </a:xfrm>
           <a:prstGeom prst="rect">
             <a:avLst/>
@@ -14424,7 +14424,11 @@
           <a:lstStyle/>
           <a:p>
             <a:r>
-              <a:rPr lang="it-IT" sz="1800" b="1" dirty="0"/>
+              <a:rPr lang="it-IT" sz="2400" b="1" dirty="0">
+                <a:solidFill>
+                  <a:srgbClr val="E43238"/>
+                </a:solidFill>
+              </a:rPr>
               <a:t>BACKLOG</a:t>
             </a:r>
           </a:p>
@@ -14535,7 +14539,7 @@
         <p:spPr>
           <a:xfrm>
             <a:off x="5156463" y="321877"/>
-            <a:ext cx="1351652" cy="369332"/>
+            <a:ext cx="1741182" cy="461665"/>
           </a:xfrm>
           <a:prstGeom prst="rect">
             <a:avLst/>
@@ -14549,7 +14553,11 @@
           <a:lstStyle/>
           <a:p>
             <a:r>
-              <a:rPr lang="it-IT" sz="1800" b="1" dirty="0"/>
+              <a:rPr lang="it-IT" sz="2400" b="1" dirty="0">
+                <a:solidFill>
+                  <a:srgbClr val="4A7BCB"/>
+                </a:solidFill>
+              </a:rPr>
               <a:t>BACKLOG</a:t>
             </a:r>
           </a:p>
@@ -14627,8 +14635,20 @@
           <a:lstStyle/>
           <a:p>
             <a:r>
-              <a:rPr lang="it-IT" sz="3200" b="1" dirty="0"/>
-              <a:t>BURNDOWN CHART SPRINT #1</a:t>
+              <a:rPr lang="it-IT" sz="3200" b="1" dirty="0">
+                <a:solidFill>
+                  <a:srgbClr val="4A7BCB"/>
+                </a:solidFill>
+              </a:rPr>
+              <a:t>BURNDOWN CHART </a:t>
+            </a:r>
+            <a:r>
+              <a:rPr lang="it-IT" sz="3200" b="1" dirty="0">
+                <a:solidFill>
+                  <a:srgbClr val="E43238"/>
+                </a:solidFill>
+              </a:rPr>
+              <a:t>SPRINT #1</a:t>
             </a:r>
           </a:p>
         </p:txBody>
@@ -14722,13 +14742,21 @@
           <a:lstStyle/>
           <a:p>
             <a:r>
-              <a:rPr lang="it-IT" sz="3200" b="1" dirty="0"/>
+              <a:rPr lang="it-IT" sz="3200" b="1" dirty="0">
+                <a:solidFill>
+                  <a:srgbClr val="E43238"/>
+                </a:solidFill>
+              </a:rPr>
               <a:t>BURNDOWN CHART </a:t>
             </a:r>
           </a:p>
           <a:p>
             <a:r>
-              <a:rPr lang="it-IT" sz="3200" b="1" dirty="0"/>
+              <a:rPr lang="it-IT" sz="3200" b="1" dirty="0">
+                <a:solidFill>
+                  <a:srgbClr val="4A7BCB"/>
+                </a:solidFill>
+              </a:rPr>
               <a:t>SPRINT #2</a:t>
             </a:r>
           </a:p>
@@ -14839,7 +14867,7 @@
         <p:spPr>
           <a:xfrm>
             <a:off x="5128181" y="197963"/>
-            <a:ext cx="1107996" cy="369332"/>
+            <a:ext cx="1414170" cy="461665"/>
           </a:xfrm>
           <a:prstGeom prst="rect">
             <a:avLst/>
@@ -14853,7 +14881,11 @@
           <a:lstStyle/>
           <a:p>
             <a:r>
-              <a:rPr lang="it-IT" sz="1800" b="1" dirty="0"/>
+              <a:rPr lang="it-IT" sz="2400" b="1" dirty="0">
+                <a:solidFill>
+                  <a:srgbClr val="4A7BCB"/>
+                </a:solidFill>
+              </a:rPr>
               <a:t>TRELLO</a:t>
             </a:r>
           </a:p>
@@ -14916,7 +14948,11 @@
           <a:lstStyle/>
           <a:p>
             <a:r>
-              <a:rPr lang="en-US" dirty="0"/>
+              <a:rPr lang="en-US" dirty="0">
+                <a:solidFill>
+                  <a:srgbClr val="E43238"/>
+                </a:solidFill>
+              </a:rPr>
               <a:t>LAYERED MODEL</a:t>
             </a:r>
           </a:p>
@@ -15011,8 +15047,12 @@
           <a:lstStyle/>
           <a:p>
             <a:r>
-              <a:rPr lang="en-US" dirty="0"/>
-              <a:t>DIAGRAMMA DELLE CLASSI</a:t>
+              <a:rPr lang="en-US" dirty="0">
+                <a:solidFill>
+                  <a:srgbClr val="4A7BCB"/>
+                </a:solidFill>
+              </a:rPr>
+              <a:t>CLASS DIAGRAM</a:t>
             </a:r>
           </a:p>
         </p:txBody>
@@ -15095,8 +15135,8 @@
         </p:nvSpPr>
         <p:spPr>
           <a:xfrm>
-            <a:off x="4759737" y="2479249"/>
-            <a:ext cx="2672526" cy="369332"/>
+            <a:off x="3910946" y="196948"/>
+            <a:ext cx="4370107" cy="584775"/>
           </a:xfrm>
           <a:prstGeom prst="rect">
             <a:avLst/>
@@ -15110,9 +15150,17 @@
           <a:lstStyle/>
           <a:p>
             <a:r>
-              <a:rPr lang="it-IT" sz="1800" dirty="0"/>
-              <a:t>Codice e funzionamento</a:t>
+              <a:rPr lang="en-US" sz="3200" b="1" dirty="0">
+                <a:solidFill>
+                  <a:srgbClr val="E43238"/>
+                </a:solidFill>
+                <a:latin typeface="Gill Sans" panose="020B0604020202020204" charset="0"/>
+              </a:rPr>
+              <a:t>SYSTEM OVERVIEW</a:t>
             </a:r>
+            <a:endParaRPr lang="it-IT" sz="3200" b="1" dirty="0">
+              <a:latin typeface="Gill Sans" panose="020B0604020202020204" charset="0"/>
+            </a:endParaRPr>
           </a:p>
         </p:txBody>
       </p:sp>

--- a/Team 8 finale.pptx
+++ b/Team 8 finale.pptx
@@ -268,7 +268,7 @@
       <p15:sldGuideLst xmlns:p15="http://schemas.microsoft.com/office/powerpoint/2012/main"/>
     </p:ext>
     <p:ext uri="http://customooxmlschemas.google.com/">
-      <go:slidesCustomData xmlns="" xmlns:mc="http://schemas.openxmlformats.org/markup-compatibility/2006" xmlns:mv="urn:schemas-microsoft-com:mac:vml" xmlns:c="http://schemas.openxmlformats.org/drawingml/2006/chart" xmlns:dgm="http://schemas.openxmlformats.org/drawingml/2006/diagram" xmlns:o="urn:schemas-microsoft-com:office:office" xmlns:v="urn:schemas-microsoft-com:vml" xmlns:pvml="urn:schemas-microsoft-com:office:powerpoint" xmlns:com="http://schemas.openxmlformats.org/drawingml/2006/compatibility" xmlns:p14="http://schemas.microsoft.com/office/powerpoint/2010/main" xmlns:p15="http://schemas.microsoft.com/office/powerpoint/2012/main" xmlns:ahyp="http://schemas.microsoft.com/office/drawing/2018/hyperlinkcolor" xmlns:go="http://customooxmlschemas.google.com/" r:id="rId31" roundtripDataSignature="AMtx7mgPHt8yWhjswSN5Y+T161Ej3j5TTw=="/>
+      <go:slidesCustomData xmlns:go="http://customooxmlschemas.google.com/" xmlns:ahyp="http://schemas.microsoft.com/office/drawing/2018/hyperlinkcolor" xmlns:p15="http://schemas.microsoft.com/office/powerpoint/2012/main" xmlns:p14="http://schemas.microsoft.com/office/powerpoint/2010/main" xmlns:com="http://schemas.openxmlformats.org/drawingml/2006/compatibility" xmlns:pvml="urn:schemas-microsoft-com:office:powerpoint" xmlns:v="urn:schemas-microsoft-com:vml" xmlns:o="urn:schemas-microsoft-com:office:office" xmlns:dgm="http://schemas.openxmlformats.org/drawingml/2006/diagram" xmlns:c="http://schemas.openxmlformats.org/drawingml/2006/chart" xmlns:mv="urn:schemas-microsoft-com:mac:vml" xmlns:mc="http://schemas.openxmlformats.org/markup-compatibility/2006" xmlns="" r:id="rId31" roundtripDataSignature="AMtx7mgPHt8yWhjswSN5Y+T161Ej3j5TTw=="/>
     </p:ext>
   </p:extLst>
 </p:presentation>
@@ -14655,10 +14655,10 @@
       </p:sp>
       <p:pic>
         <p:nvPicPr>
-          <p:cNvPr id="8" name="Immagine 7">
+          <p:cNvPr id="3" name="Immagine 2">
             <a:extLst>
               <a:ext uri="{FF2B5EF4-FFF2-40B4-BE49-F238E27FC236}">
-                <a16:creationId xmlns:a16="http://schemas.microsoft.com/office/drawing/2014/main" id="{DAD68CCD-9D86-4D68-B49E-456D779C6132}"/>
+                <a16:creationId xmlns:a16="http://schemas.microsoft.com/office/drawing/2014/main" id="{B514F17A-6BC9-42C9-9848-EBF74B5E35EC}"/>
               </a:ext>
             </a:extLst>
           </p:cNvPr>
@@ -14675,8 +14675,8 @@
         </p:blipFill>
         <p:spPr>
           <a:xfrm>
-            <a:off x="5090475" y="240644"/>
-            <a:ext cx="6381946" cy="5914572"/>
+            <a:off x="5627801" y="348793"/>
+            <a:ext cx="5844619" cy="5722070"/>
           </a:xfrm>
           <a:prstGeom prst="rect">
             <a:avLst/>

--- a/Team 8 finale.pptx
+++ b/Team 8 finale.pptx
@@ -5,7 +5,7 @@
     <p:sldMasterId id="2147483648" r:id="rId1"/>
   </p:sldMasterIdLst>
   <p:notesMasterIdLst>
-    <p:notesMasterId r:id="rId11"/>
+    <p:notesMasterId r:id="rId12"/>
   </p:notesMasterIdLst>
   <p:sldIdLst>
     <p:sldId id="256" r:id="rId2"/>
@@ -16,22 +16,30 @@
     <p:sldId id="257" r:id="rId7"/>
     <p:sldId id="261" r:id="rId8"/>
     <p:sldId id="265" r:id="rId9"/>
-    <p:sldId id="263" r:id="rId10"/>
+    <p:sldId id="267" r:id="rId10"/>
+    <p:sldId id="263" r:id="rId11"/>
   </p:sldIdLst>
   <p:sldSz cx="12192000" cy="6858000"/>
   <p:notesSz cx="6858000" cy="9144000"/>
   <p:embeddedFontLst>
     <p:embeddedFont>
+      <p:font typeface="Calibri" panose="020F0502020204030204" pitchFamily="34" charset="0"/>
+      <p:regular r:id="rId13"/>
+      <p:bold r:id="rId14"/>
+      <p:italic r:id="rId15"/>
+      <p:boldItalic r:id="rId16"/>
+    </p:embeddedFont>
+    <p:embeddedFont>
       <p:font typeface="Gill Sans" panose="020B0604020202020204" charset="0"/>
-      <p:regular r:id="rId12"/>
-      <p:bold r:id="rId13"/>
+      <p:regular r:id="rId17"/>
+      <p:bold r:id="rId18"/>
     </p:embeddedFont>
     <p:embeddedFont>
       <p:font typeface="Quattrocento Sans" panose="020B0604020202020204" charset="0"/>
-      <p:regular r:id="rId14"/>
-      <p:bold r:id="rId15"/>
-      <p:italic r:id="rId16"/>
-      <p:boldItalic r:id="rId17"/>
+      <p:regular r:id="rId19"/>
+      <p:bold r:id="rId20"/>
+      <p:italic r:id="rId21"/>
+      <p:boldItalic r:id="rId22"/>
     </p:embeddedFont>
   </p:embeddedFontLst>
   <p:defaultTextStyle>
@@ -268,7 +276,7 @@
       <p15:sldGuideLst xmlns:p15="http://schemas.microsoft.com/office/powerpoint/2012/main"/>
     </p:ext>
     <p:ext uri="http://customooxmlschemas.google.com/">
-      <go:slidesCustomData xmlns:go="http://customooxmlschemas.google.com/" xmlns:ahyp="http://schemas.microsoft.com/office/drawing/2018/hyperlinkcolor" xmlns:p15="http://schemas.microsoft.com/office/powerpoint/2012/main" xmlns:p14="http://schemas.microsoft.com/office/powerpoint/2010/main" xmlns:com="http://schemas.openxmlformats.org/drawingml/2006/compatibility" xmlns:pvml="urn:schemas-microsoft-com:office:powerpoint" xmlns:v="urn:schemas-microsoft-com:vml" xmlns:o="urn:schemas-microsoft-com:office:office" xmlns:dgm="http://schemas.openxmlformats.org/drawingml/2006/diagram" xmlns:c="http://schemas.openxmlformats.org/drawingml/2006/chart" xmlns:mv="urn:schemas-microsoft-com:mac:vml" xmlns:mc="http://schemas.openxmlformats.org/markup-compatibility/2006" xmlns="" r:id="rId31" roundtripDataSignature="AMtx7mgPHt8yWhjswSN5Y+T161Ej3j5TTw=="/>
+      <go:slidesCustomData xmlns="" xmlns:mc="http://schemas.openxmlformats.org/markup-compatibility/2006" xmlns:mv="urn:schemas-microsoft-com:mac:vml" xmlns:c="http://schemas.openxmlformats.org/drawingml/2006/chart" xmlns:dgm="http://schemas.openxmlformats.org/drawingml/2006/diagram" xmlns:o="urn:schemas-microsoft-com:office:office" xmlns:v="urn:schemas-microsoft-com:vml" xmlns:pvml="urn:schemas-microsoft-com:office:powerpoint" xmlns:com="http://schemas.openxmlformats.org/drawingml/2006/compatibility" xmlns:p14="http://schemas.microsoft.com/office/powerpoint/2010/main" xmlns:p15="http://schemas.microsoft.com/office/powerpoint/2012/main" xmlns:ahyp="http://schemas.microsoft.com/office/drawing/2018/hyperlinkcolor" xmlns:go="http://customooxmlschemas.google.com/" r:id="rId31" roundtripDataSignature="AMtx7mgPHt8yWhjswSN5Y+T161Ej3j5TTw=="/>
     </p:ext>
   </p:extLst>
 </p:presentation>
@@ -14318,6 +14326,82 @@
 </p:sld>
 </file>
 
+<file path=ppt/slides/slide10.xml><?xml version="1.0" encoding="utf-8"?>
+<p:sld xmlns:a="http://schemas.openxmlformats.org/drawingml/2006/main" xmlns:r="http://schemas.openxmlformats.org/officeDocument/2006/relationships" xmlns:p="http://schemas.openxmlformats.org/presentationml/2006/main">
+  <p:cSld>
+    <p:spTree>
+      <p:nvGrpSpPr>
+        <p:cNvPr id="1" name=""/>
+        <p:cNvGrpSpPr/>
+        <p:nvPr/>
+      </p:nvGrpSpPr>
+      <p:grpSpPr>
+        <a:xfrm>
+          <a:off x="0" y="0"/>
+          <a:ext cx="0" cy="0"/>
+          <a:chOff x="0" y="0"/>
+          <a:chExt cx="0" cy="0"/>
+        </a:xfrm>
+      </p:grpSpPr>
+      <p:sp>
+        <p:nvSpPr>
+          <p:cNvPr id="2" name="CasellaDiTesto 1">
+            <a:extLst>
+              <a:ext uri="{FF2B5EF4-FFF2-40B4-BE49-F238E27FC236}">
+                <a16:creationId xmlns:a16="http://schemas.microsoft.com/office/drawing/2014/main" id="{F62B3E03-3A9F-4E32-A117-977D76DC876C}"/>
+              </a:ext>
+            </a:extLst>
+          </p:cNvPr>
+          <p:cNvSpPr txBox="1"/>
+          <p:nvPr/>
+        </p:nvSpPr>
+        <p:spPr>
+          <a:xfrm>
+            <a:off x="3910946" y="196948"/>
+            <a:ext cx="4370107" cy="584775"/>
+          </a:xfrm>
+          <a:prstGeom prst="rect">
+            <a:avLst/>
+          </a:prstGeom>
+          <a:noFill/>
+        </p:spPr>
+        <p:txBody>
+          <a:bodyPr wrap="none" rtlCol="0">
+            <a:spAutoFit/>
+          </a:bodyPr>
+          <a:lstStyle/>
+          <a:p>
+            <a:r>
+              <a:rPr lang="en-US" sz="3200" b="1" dirty="0">
+                <a:solidFill>
+                  <a:srgbClr val="4A7BCB"/>
+                </a:solidFill>
+                <a:latin typeface="Gill Sans" panose="020B0604020202020204" charset="0"/>
+              </a:rPr>
+              <a:t>SYSTEM OVERVIEW</a:t>
+            </a:r>
+            <a:endParaRPr lang="it-IT" sz="3200" b="1" dirty="0">
+              <a:solidFill>
+                <a:srgbClr val="4A7BCB"/>
+              </a:solidFill>
+              <a:latin typeface="Gill Sans" panose="020B0604020202020204" charset="0"/>
+            </a:endParaRPr>
+          </a:p>
+        </p:txBody>
+      </p:sp>
+    </p:spTree>
+    <p:extLst>
+      <p:ext uri="{BB962C8B-B14F-4D97-AF65-F5344CB8AC3E}">
+        <p14:creationId xmlns:p14="http://schemas.microsoft.com/office/powerpoint/2010/main" val="2629418943"/>
+      </p:ext>
+    </p:extLst>
+  </p:cSld>
+  <p:clrMapOvr>
+    <a:masterClrMapping/>
+  </p:clrMapOvr>
+</p:sld>
+</file>
+
 <file path=ppt/slides/slide2.xml><?xml version="1.0" encoding="utf-8"?>
 <p:sld xmlns:a="http://schemas.openxmlformats.org/drawingml/2006/main" xmlns:r="http://schemas.openxmlformats.org/officeDocument/2006/relationships" xmlns:p="http://schemas.openxmlformats.org/presentationml/2006/main">
   <p:cSld>
@@ -15126,7 +15210,7 @@
           <p:cNvPr id="2" name="CasellaDiTesto 1">
             <a:extLst>
               <a:ext uri="{FF2B5EF4-FFF2-40B4-BE49-F238E27FC236}">
-                <a16:creationId xmlns:a16="http://schemas.microsoft.com/office/drawing/2014/main" id="{F62B3E03-3A9F-4E32-A117-977D76DC876C}"/>
+                <a16:creationId xmlns:a16="http://schemas.microsoft.com/office/drawing/2014/main" id="{5F2EBBF9-0F77-4D8F-9633-D039932BD7E1}"/>
               </a:ext>
             </a:extLst>
           </p:cNvPr>
@@ -15135,8 +15219,165 @@
         </p:nvSpPr>
         <p:spPr>
           <a:xfrm>
-            <a:off x="3910946" y="196948"/>
-            <a:ext cx="4370107" cy="584775"/>
+            <a:off x="1109338" y="2125787"/>
+            <a:ext cx="10256131" cy="2462213"/>
+          </a:xfrm>
+          <a:prstGeom prst="rect">
+            <a:avLst/>
+          </a:prstGeom>
+          <a:noFill/>
+        </p:spPr>
+        <p:txBody>
+          <a:bodyPr wrap="square" rtlCol="0">
+            <a:spAutoFit/>
+          </a:bodyPr>
+          <a:lstStyle/>
+          <a:p>
+            <a:r>
+              <a:rPr lang="it-IT" sz="2000" dirty="0">
+                <a:effectLst/>
+                <a:latin typeface="Calibri" panose="020F0502020204030204" pitchFamily="34" charset="0"/>
+                <a:ea typeface="Calibri" panose="020F0502020204030204" pitchFamily="34" charset="0"/>
+                <a:cs typeface="Calibri" panose="020F0502020204030204" pitchFamily="34" charset="0"/>
+              </a:rPr>
+              <a:t>Nel progetto sono stati applicati alcuni pattern, in particolare è stato applicato un pattern creazionale chiamato </a:t>
+            </a:r>
+            <a:r>
+              <a:rPr lang="it-IT" sz="2000" i="1" dirty="0">
+                <a:effectLst/>
+                <a:latin typeface="Calibri" panose="020F0502020204030204" pitchFamily="34" charset="0"/>
+                <a:ea typeface="Calibri" panose="020F0502020204030204" pitchFamily="34" charset="0"/>
+                <a:cs typeface="Calibri" panose="020F0502020204030204" pitchFamily="34" charset="0"/>
+              </a:rPr>
+              <a:t>Singleton</a:t>
+            </a:r>
+            <a:r>
+              <a:rPr lang="it-IT" sz="2000" dirty="0">
+                <a:effectLst/>
+                <a:latin typeface="Calibri" panose="020F0502020204030204" pitchFamily="34" charset="0"/>
+                <a:ea typeface="Calibri" panose="020F0502020204030204" pitchFamily="34" charset="0"/>
+                <a:cs typeface="Calibri" panose="020F0502020204030204" pitchFamily="34" charset="0"/>
+              </a:rPr>
+              <a:t>, con il quale è stata creata una sola istanza di esecuzione per tutta la durata del programma e quindi si è scelto di dichiarare un oggetto statico nella classe </a:t>
+            </a:r>
+            <a:r>
+              <a:rPr lang="it-IT" sz="2000" i="1" dirty="0">
+                <a:effectLst/>
+                <a:latin typeface="Calibri" panose="020F0502020204030204" pitchFamily="34" charset="0"/>
+                <a:ea typeface="Calibri" panose="020F0502020204030204" pitchFamily="34" charset="0"/>
+                <a:cs typeface="Calibri" panose="020F0502020204030204" pitchFamily="34" charset="0"/>
+              </a:rPr>
+              <a:t>DatabaseContext</a:t>
+            </a:r>
+            <a:r>
+              <a:rPr lang="it-IT" sz="2000" dirty="0">
+                <a:effectLst/>
+                <a:latin typeface="Calibri" panose="020F0502020204030204" pitchFamily="34" charset="0"/>
+                <a:ea typeface="Calibri" panose="020F0502020204030204" pitchFamily="34" charset="0"/>
+                <a:cs typeface="Calibri" panose="020F0502020204030204" pitchFamily="34" charset="0"/>
+              </a:rPr>
+              <a:t> su cui richiamare tutte le operazioni appartenenti alla classe. Un altro pattern applicato è stato </a:t>
+            </a:r>
+            <a:r>
+              <a:rPr lang="it-IT" sz="2000" i="1" dirty="0">
+                <a:effectLst/>
+                <a:latin typeface="Calibri" panose="020F0502020204030204" pitchFamily="34" charset="0"/>
+                <a:ea typeface="Calibri" panose="020F0502020204030204" pitchFamily="34" charset="0"/>
+                <a:cs typeface="Calibri" panose="020F0502020204030204" pitchFamily="34" charset="0"/>
+              </a:rPr>
+              <a:t>Decorator</a:t>
+            </a:r>
+            <a:r>
+              <a:rPr lang="it-IT" sz="2000" dirty="0">
+                <a:effectLst/>
+                <a:latin typeface="Calibri" panose="020F0502020204030204" pitchFamily="34" charset="0"/>
+                <a:ea typeface="Calibri" panose="020F0502020204030204" pitchFamily="34" charset="0"/>
+                <a:cs typeface="Calibri" panose="020F0502020204030204" pitchFamily="34" charset="0"/>
+              </a:rPr>
+              <a:t>, che appartiene alla classe dei pattern strutturali, visibile quando il contenuto del </a:t>
+            </a:r>
+            <a:r>
+              <a:rPr lang="it-IT" sz="2000" i="1" dirty="0">
+                <a:effectLst/>
+                <a:latin typeface="Calibri" panose="020F0502020204030204" pitchFamily="34" charset="0"/>
+                <a:ea typeface="Calibri" panose="020F0502020204030204" pitchFamily="34" charset="0"/>
+                <a:cs typeface="Calibri" panose="020F0502020204030204" pitchFamily="34" charset="0"/>
+              </a:rPr>
+              <a:t>TextField</a:t>
+            </a:r>
+            <a:r>
+              <a:rPr lang="it-IT" sz="2000" dirty="0">
+                <a:effectLst/>
+                <a:latin typeface="Calibri" panose="020F0502020204030204" pitchFamily="34" charset="0"/>
+                <a:ea typeface="Calibri" panose="020F0502020204030204" pitchFamily="34" charset="0"/>
+                <a:cs typeface="Calibri" panose="020F0502020204030204" pitchFamily="34" charset="0"/>
+              </a:rPr>
+              <a:t> diventa troppo grande (ad esempio vengono inseriti molti oggetti), compare una </a:t>
+            </a:r>
+            <a:r>
+              <a:rPr lang="it-IT" sz="2000" i="1" dirty="0">
+                <a:effectLst/>
+                <a:latin typeface="Calibri" panose="020F0502020204030204" pitchFamily="34" charset="0"/>
+                <a:ea typeface="Calibri" panose="020F0502020204030204" pitchFamily="34" charset="0"/>
+                <a:cs typeface="Calibri" panose="020F0502020204030204" pitchFamily="34" charset="0"/>
+              </a:rPr>
+              <a:t>scrollbar</a:t>
+            </a:r>
+            <a:r>
+              <a:rPr lang="it-IT" sz="2000" dirty="0">
+                <a:effectLst/>
+                <a:latin typeface="Calibri" panose="020F0502020204030204" pitchFamily="34" charset="0"/>
+                <a:ea typeface="Calibri" panose="020F0502020204030204" pitchFamily="34" charset="0"/>
+                <a:cs typeface="Calibri" panose="020F0502020204030204" pitchFamily="34" charset="0"/>
+              </a:rPr>
+              <a:t> che permette di vedere tutti gli oggetti inseriti nel </a:t>
+            </a:r>
+            <a:r>
+              <a:rPr lang="it-IT" sz="2000" i="1" dirty="0">
+                <a:effectLst/>
+                <a:latin typeface="Calibri" panose="020F0502020204030204" pitchFamily="34" charset="0"/>
+                <a:ea typeface="Calibri" panose="020F0502020204030204" pitchFamily="34" charset="0"/>
+                <a:cs typeface="Calibri" panose="020F0502020204030204" pitchFamily="34" charset="0"/>
+              </a:rPr>
+              <a:t>TextField</a:t>
+            </a:r>
+            <a:r>
+              <a:rPr lang="it-IT" sz="2000" dirty="0">
+                <a:effectLst/>
+                <a:latin typeface="Calibri" panose="020F0502020204030204" pitchFamily="34" charset="0"/>
+                <a:ea typeface="Calibri" panose="020F0502020204030204" pitchFamily="34" charset="0"/>
+                <a:cs typeface="Calibri" panose="020F0502020204030204" pitchFamily="34" charset="0"/>
+              </a:rPr>
+              <a:t>. </a:t>
+            </a:r>
+            <a:endParaRPr lang="it-IT" sz="2000" dirty="0">
+              <a:effectLst/>
+              <a:latin typeface="Calibri" panose="020F0502020204030204" pitchFamily="34" charset="0"/>
+              <a:ea typeface="Calibri" panose="020F0502020204030204" pitchFamily="34" charset="0"/>
+              <a:cs typeface="Times New Roman" panose="02020603050405020304" pitchFamily="18" charset="0"/>
+            </a:endParaRPr>
+          </a:p>
+          <a:p>
+            <a:endParaRPr lang="it-IT" dirty="0"/>
+          </a:p>
+        </p:txBody>
+      </p:sp>
+      <p:sp>
+        <p:nvSpPr>
+          <p:cNvPr id="3" name="CasellaDiTesto 2">
+            <a:extLst>
+              <a:ext uri="{FF2B5EF4-FFF2-40B4-BE49-F238E27FC236}">
+                <a16:creationId xmlns:a16="http://schemas.microsoft.com/office/drawing/2014/main" id="{ECB55BF0-0D4B-4610-8086-A2D39A9B5693}"/>
+              </a:ext>
+            </a:extLst>
+          </p:cNvPr>
+          <p:cNvSpPr txBox="1"/>
+          <p:nvPr/>
+        </p:nvSpPr>
+        <p:spPr>
+          <a:xfrm>
+            <a:off x="3940403" y="612742"/>
+            <a:ext cx="3788217" cy="584775"/>
           </a:xfrm>
           <a:prstGeom prst="rect">
             <a:avLst/>
@@ -15150,24 +15391,20 @@
           <a:lstStyle/>
           <a:p>
             <a:r>
-              <a:rPr lang="en-US" sz="3200" b="1" dirty="0">
-                <a:solidFill>
-                  <a:srgbClr val="E43238"/>
-                </a:solidFill>
-                <a:latin typeface="Gill Sans" panose="020B0604020202020204" charset="0"/>
+              <a:rPr lang="it-IT" sz="3200" dirty="0">
+                <a:solidFill>
+                  <a:srgbClr val="FF0000"/>
+                </a:solidFill>
               </a:rPr>
-              <a:t>SYSTEM OVERVIEW</a:t>
+              <a:t>DESIGN PATTERN</a:t>
             </a:r>
-            <a:endParaRPr lang="it-IT" sz="3200" b="1" dirty="0">
-              <a:latin typeface="Gill Sans" panose="020B0604020202020204" charset="0"/>
-            </a:endParaRPr>
           </a:p>
         </p:txBody>
       </p:sp>
     </p:spTree>
     <p:extLst>
       <p:ext uri="{BB962C8B-B14F-4D97-AF65-F5344CB8AC3E}">
-        <p14:creationId xmlns:p14="http://schemas.microsoft.com/office/powerpoint/2010/main" val="2629418943"/>
+        <p14:creationId xmlns:p14="http://schemas.microsoft.com/office/powerpoint/2010/main" val="4001953354"/>
       </p:ext>
     </p:extLst>
   </p:cSld>
